--- a/AfroDB/Sustentacion.pptx
+++ b/AfroDB/Sustentacion.pptx
@@ -7772,7 +7772,7 @@
       <p:pic>
         <p:nvPicPr>
           <p:cNvPr id="1026" name="Picture 2" descr="Métodos de recopilación de datos">
-            <a:hlinkClick r:id="rId3" action="ppaction://hlinkfile"/>
+            <a:hlinkClick r:id="rId5" action="ppaction://hlinkfile"/>
             <a:extLst>
               <a:ext uri="{FF2B5EF4-FFF2-40B4-BE49-F238E27FC236}">
                 <a16:creationId xmlns:a16="http://schemas.microsoft.com/office/drawing/2014/main" id="{C1C1A535-45DE-5F05-AE1E-E6929255A172}"/>
@@ -7785,7 +7785,7 @@
           <p:nvPr/>
         </p:nvPicPr>
         <p:blipFill>
-          <a:blip r:embed="rId5">
+          <a:blip r:embed="rId6">
             <a:extLst>
               <a:ext uri="{28A0092B-C50C-407E-A947-70E740481C1C}">
                 <a14:useLocalDpi xmlns:a14="http://schemas.microsoft.com/office/drawing/2010/main" val="0"/>
